--- a/Lab 5/Lab 5 bài giảng.pptx
+++ b/Lab 5/Lab 5 bài giảng.pptx
@@ -6891,7 +6891,7 @@
               <a:rPr lang="en-US" altLang="en-US" dirty="0">
                 <a:ea typeface="Arial" charset="0"/>
               </a:rPr>
-              <a:t> S1</a:t>
+              <a:t> S2</a:t>
             </a:r>
           </a:p>
           <a:p>
@@ -14127,7 +14127,7 @@
                     <a:ea typeface="Tahoma" pitchFamily="34" charset="0"/>
                     <a:cs typeface="Arial" pitchFamily="34" charset="0"/>
                   </a:rPr>
-                  <a:t>dãi</a:t>
+                  <a:t>dài</a:t>
                 </a:r>
                 <a:r>
                   <a:rPr lang="en-US" dirty="0">
@@ -22110,7 +22110,7 @@
             </a:r>
             <a:r>
               <a:rPr lang="en-US" dirty="0" err="1"/>
-              <a:t>cde</a:t>
+              <a:t>cdeef</a:t>
             </a:r>
             <a:r>
               <a:rPr lang="en-US" dirty="0"/>
@@ -22127,7 +22127,7 @@
             </a:r>
             <a:r>
               <a:rPr lang="en-US" dirty="0" err="1"/>
-              <a:t>acbdce</a:t>
+              <a:t>acbdceef</a:t>
             </a:r>
             <a:r>
               <a:rPr lang="en-US" dirty="0"/>
